--- a/ICESS2017/figure/TECS_Adapter.pptx
+++ b/ICESS2017/figure/TECS_Adapter.pptx
@@ -197,7 +197,7 @@
           <a:p>
             <a:fld id="{00D06802-B8EF-4FD8-9511-F1F928CF3A55}" type="datetimeFigureOut">
               <a:rPr kumimoji="1" lang="ja-JP" altLang="en-US" smtClean="0"/>
-              <a:t>2017/2/12</a:t>
+              <a:t>2017/6/12</a:t>
             </a:fld>
             <a:endParaRPr kumimoji="1" lang="ja-JP" altLang="en-US"/>
           </a:p>
@@ -628,7 +628,7 @@
           <a:p>
             <a:fld id="{AA641DB4-C951-4763-94FC-F650C3AA7E65}" type="datetimeFigureOut">
               <a:rPr kumimoji="1" lang="ja-JP" altLang="en-US" smtClean="0"/>
-              <a:t>2017/2/12</a:t>
+              <a:t>2017/6/12</a:t>
             </a:fld>
             <a:endParaRPr kumimoji="1" lang="ja-JP" altLang="en-US"/>
           </a:p>
@@ -830,7 +830,7 @@
           <a:p>
             <a:fld id="{AA641DB4-C951-4763-94FC-F650C3AA7E65}" type="datetimeFigureOut">
               <a:rPr kumimoji="1" lang="ja-JP" altLang="en-US" smtClean="0"/>
-              <a:t>2017/2/12</a:t>
+              <a:t>2017/6/12</a:t>
             </a:fld>
             <a:endParaRPr kumimoji="1" lang="ja-JP" altLang="en-US"/>
           </a:p>
@@ -1042,7 +1042,7 @@
           <a:p>
             <a:fld id="{AA641DB4-C951-4763-94FC-F650C3AA7E65}" type="datetimeFigureOut">
               <a:rPr kumimoji="1" lang="ja-JP" altLang="en-US" smtClean="0"/>
-              <a:t>2017/2/12</a:t>
+              <a:t>2017/6/12</a:t>
             </a:fld>
             <a:endParaRPr kumimoji="1" lang="ja-JP" altLang="en-US"/>
           </a:p>
@@ -1244,7 +1244,7 @@
           <a:p>
             <a:fld id="{AA641DB4-C951-4763-94FC-F650C3AA7E65}" type="datetimeFigureOut">
               <a:rPr kumimoji="1" lang="ja-JP" altLang="en-US" smtClean="0"/>
-              <a:t>2017/2/12</a:t>
+              <a:t>2017/6/12</a:t>
             </a:fld>
             <a:endParaRPr kumimoji="1" lang="ja-JP" altLang="en-US"/>
           </a:p>
@@ -1490,7 +1490,7 @@
           <a:p>
             <a:fld id="{AA641DB4-C951-4763-94FC-F650C3AA7E65}" type="datetimeFigureOut">
               <a:rPr kumimoji="1" lang="ja-JP" altLang="en-US" smtClean="0"/>
-              <a:t>2017/2/12</a:t>
+              <a:t>2017/6/12</a:t>
             </a:fld>
             <a:endParaRPr kumimoji="1" lang="ja-JP" altLang="en-US"/>
           </a:p>
@@ -1786,7 +1786,7 @@
           <a:p>
             <a:fld id="{AA641DB4-C951-4763-94FC-F650C3AA7E65}" type="datetimeFigureOut">
               <a:rPr kumimoji="1" lang="ja-JP" altLang="en-US" smtClean="0"/>
-              <a:t>2017/2/12</a:t>
+              <a:t>2017/6/12</a:t>
             </a:fld>
             <a:endParaRPr kumimoji="1" lang="ja-JP" altLang="en-US"/>
           </a:p>
@@ -2217,7 +2217,7 @@
           <a:p>
             <a:fld id="{AA641DB4-C951-4763-94FC-F650C3AA7E65}" type="datetimeFigureOut">
               <a:rPr kumimoji="1" lang="ja-JP" altLang="en-US" smtClean="0"/>
-              <a:t>2017/2/12</a:t>
+              <a:t>2017/6/12</a:t>
             </a:fld>
             <a:endParaRPr kumimoji="1" lang="ja-JP" altLang="en-US"/>
           </a:p>
@@ -2335,7 +2335,7 @@
           <a:p>
             <a:fld id="{AA641DB4-C951-4763-94FC-F650C3AA7E65}" type="datetimeFigureOut">
               <a:rPr kumimoji="1" lang="ja-JP" altLang="en-US" smtClean="0"/>
-              <a:t>2017/2/12</a:t>
+              <a:t>2017/6/12</a:t>
             </a:fld>
             <a:endParaRPr kumimoji="1" lang="ja-JP" altLang="en-US"/>
           </a:p>
@@ -2430,7 +2430,7 @@
           <a:p>
             <a:fld id="{AA641DB4-C951-4763-94FC-F650C3AA7E65}" type="datetimeFigureOut">
               <a:rPr kumimoji="1" lang="ja-JP" altLang="en-US" smtClean="0"/>
-              <a:t>2017/2/12</a:t>
+              <a:t>2017/6/12</a:t>
             </a:fld>
             <a:endParaRPr kumimoji="1" lang="ja-JP" altLang="en-US"/>
           </a:p>
@@ -2739,7 +2739,7 @@
           <a:p>
             <a:fld id="{AA641DB4-C951-4763-94FC-F650C3AA7E65}" type="datetimeFigureOut">
               <a:rPr kumimoji="1" lang="ja-JP" altLang="en-US" smtClean="0"/>
-              <a:t>2017/2/12</a:t>
+              <a:t>2017/6/12</a:t>
             </a:fld>
             <a:endParaRPr kumimoji="1" lang="ja-JP" altLang="en-US"/>
           </a:p>
@@ -2992,7 +2992,7 @@
           <a:p>
             <a:fld id="{AA641DB4-C951-4763-94FC-F650C3AA7E65}" type="datetimeFigureOut">
               <a:rPr kumimoji="1" lang="ja-JP" altLang="en-US" smtClean="0"/>
-              <a:t>2017/2/12</a:t>
+              <a:t>2017/6/12</a:t>
             </a:fld>
             <a:endParaRPr kumimoji="1" lang="ja-JP" altLang="en-US"/>
           </a:p>
@@ -3237,7 +3237,7 @@
           <a:p>
             <a:fld id="{AA641DB4-C951-4763-94FC-F650C3AA7E65}" type="datetimeFigureOut">
               <a:rPr kumimoji="1" lang="ja-JP" altLang="en-US" smtClean="0"/>
-              <a:t>2017/2/12</a:t>
+              <a:t>2017/6/12</a:t>
             </a:fld>
             <a:endParaRPr kumimoji="1" lang="ja-JP" altLang="en-US"/>
           </a:p>
@@ -3650,8 +3650,8 @@
         </p:nvSpPr>
         <p:spPr bwMode="auto">
           <a:xfrm>
-            <a:off x="8110191" y="4814820"/>
-            <a:ext cx="3991656" cy="1819263"/>
+            <a:off x="8110191" y="4680066"/>
+            <a:ext cx="3991656" cy="1954017"/>
           </a:xfrm>
           <a:prstGeom prst="snip1Rect">
             <a:avLst/>
@@ -3697,7 +3697,7 @@
               </a:spcAft>
             </a:pPr>
             <a:r>
-              <a:rPr lang="en-US" altLang="ja-JP" sz="2000" dirty="0" smtClean="0">
+              <a:rPr lang="en-US" altLang="ja-JP" sz="2400" dirty="0" smtClean="0">
                 <a:solidFill>
                   <a:schemeClr val="tx1"/>
                 </a:solidFill>
@@ -3705,7 +3705,18 @@
                 <a:ea typeface="Osaka－等幅" panose="020B0609000000000000" pitchFamily="49" charset="-128"/>
                 <a:cs typeface="メイリオ" pitchFamily="50" charset="-128"/>
               </a:rPr>
-              <a:t>ER </a:t>
+              <a:t>ER</a:t>
+            </a:r>
+            <a:r>
+              <a:rPr lang="en-US" altLang="ja-JP" sz="2000" dirty="0" smtClean="0">
+                <a:solidFill>
+                  <a:schemeClr val="tx1"/>
+                </a:solidFill>
+                <a:latin typeface="Osaka－等幅" panose="020B0609000000000000" pitchFamily="49" charset="-128"/>
+                <a:ea typeface="Osaka－等幅" panose="020B0609000000000000" pitchFamily="49" charset="-128"/>
+                <a:cs typeface="メイリオ" pitchFamily="50" charset="-128"/>
+              </a:rPr>
+              <a:t> </a:t>
             </a:r>
             <a:r>
               <a:rPr lang="en-US" altLang="ja-JP" sz="2400" dirty="0" err="1" smtClean="0">
@@ -3719,7 +3730,7 @@
               <a:t>eAPI_sendData</a:t>
             </a:r>
             <a:r>
-              <a:rPr lang="en-US" altLang="ja-JP" sz="2000" dirty="0" smtClean="0">
+              <a:rPr lang="en-US" altLang="ja-JP" sz="2400" dirty="0" smtClean="0">
                 <a:solidFill>
                   <a:schemeClr val="tx1"/>
                 </a:solidFill>
@@ -3727,19 +3738,16 @@
                 <a:ea typeface="Osaka－等幅" panose="020B0609000000000000" pitchFamily="49" charset="-128"/>
                 <a:cs typeface="メイリオ" pitchFamily="50" charset="-128"/>
               </a:rPr>
-              <a:t>() </a:t>
-            </a:r>
-            <a:r>
-              <a:rPr lang="en-US" altLang="ja-JP" sz="2000" dirty="0" smtClean="0">
-                <a:solidFill>
-                  <a:schemeClr val="tx1"/>
-                </a:solidFill>
-                <a:latin typeface="Osaka－等幅" panose="020B0609000000000000" pitchFamily="49" charset="-128"/>
-                <a:ea typeface="Osaka－等幅" panose="020B0609000000000000" pitchFamily="49" charset="-128"/>
-                <a:cs typeface="メイリオ" pitchFamily="50" charset="-128"/>
-              </a:rPr>
-              <a:t>{</a:t>
-            </a:r>
+              <a:t>() {</a:t>
+            </a:r>
+            <a:endParaRPr lang="en-US" altLang="ja-JP" sz="2000" dirty="0" smtClean="0">
+              <a:solidFill>
+                <a:schemeClr val="tx1"/>
+              </a:solidFill>
+              <a:latin typeface="Osaka－等幅" panose="020B0609000000000000" pitchFamily="49" charset="-128"/>
+              <a:ea typeface="Osaka－等幅" panose="020B0609000000000000" pitchFamily="49" charset="-128"/>
+              <a:cs typeface="メイリオ" pitchFamily="50" charset="-128"/>
+            </a:endParaRPr>
           </a:p>
           <a:p>
             <a:pPr defTabSz="914342" fontAlgn="base">
@@ -3837,7 +3845,7 @@
               </a:spcAft>
             </a:pPr>
             <a:r>
-              <a:rPr lang="en-US" altLang="ja-JP" sz="2000" dirty="0" smtClean="0">
+              <a:rPr lang="en-US" altLang="ja-JP" sz="2400" dirty="0" smtClean="0">
                 <a:solidFill>
                   <a:schemeClr val="tx1"/>
                 </a:solidFill>
@@ -3847,7 +3855,7 @@
               </a:rPr>
               <a:t>}</a:t>
             </a:r>
-            <a:endParaRPr lang="en-US" altLang="ja-JP" sz="2000" dirty="0">
+            <a:endParaRPr lang="en-US" altLang="ja-JP" sz="2400" dirty="0">
               <a:solidFill>
                 <a:schemeClr val="tx1"/>
               </a:solidFill>
@@ -3866,8 +3874,8 @@
         </p:nvSpPr>
         <p:spPr bwMode="auto">
           <a:xfrm>
-            <a:off x="4002210" y="4814824"/>
-            <a:ext cx="3905417" cy="1819260"/>
+            <a:off x="3973484" y="4680066"/>
+            <a:ext cx="4023360" cy="1954018"/>
           </a:xfrm>
           <a:prstGeom prst="snip1Rect">
             <a:avLst/>
@@ -3913,7 +3921,7 @@
               </a:spcAft>
             </a:pPr>
             <a:r>
-              <a:rPr lang="en-US" altLang="ja-JP" sz="2000" dirty="0" smtClean="0">
+              <a:rPr lang="en-US" altLang="ja-JP" sz="2400" dirty="0" smtClean="0">
                 <a:solidFill>
                   <a:schemeClr val="tx1"/>
                 </a:solidFill>
@@ -3921,7 +3929,18 @@
                 <a:ea typeface="Osaka－等幅" panose="020B0609000000000000" pitchFamily="49" charset="-128"/>
                 <a:cs typeface="メイリオ" pitchFamily="50" charset="-128"/>
               </a:rPr>
-              <a:t>ER </a:t>
+              <a:t>ER</a:t>
+            </a:r>
+            <a:r>
+              <a:rPr lang="en-US" altLang="ja-JP" sz="2000" dirty="0" smtClean="0">
+                <a:solidFill>
+                  <a:schemeClr val="tx1"/>
+                </a:solidFill>
+                <a:latin typeface="Osaka－等幅" panose="020B0609000000000000" pitchFamily="49" charset="-128"/>
+                <a:ea typeface="Osaka－等幅" panose="020B0609000000000000" pitchFamily="49" charset="-128"/>
+                <a:cs typeface="メイリオ" pitchFamily="50" charset="-128"/>
+              </a:rPr>
+              <a:t> </a:t>
             </a:r>
             <a:r>
               <a:rPr lang="en-US" altLang="ja-JP" sz="2400" dirty="0" err="1" smtClean="0">
@@ -3935,7 +3954,7 @@
               <a:t>tcp_snd_dat</a:t>
             </a:r>
             <a:r>
-              <a:rPr lang="en-US" altLang="ja-JP" sz="2000" dirty="0" smtClean="0">
+              <a:rPr lang="en-US" altLang="ja-JP" sz="2400" dirty="0" smtClean="0">
                 <a:solidFill>
                   <a:schemeClr val="tx1"/>
                 </a:solidFill>
@@ -4018,7 +4037,7 @@
               <a:t>  </a:t>
             </a:r>
             <a:r>
-              <a:rPr lang="en-US" altLang="ja-JP" sz="2000" dirty="0" smtClean="0">
+              <a:rPr lang="en-US" altLang="ja-JP" sz="2400" dirty="0" smtClean="0">
                 <a:solidFill>
                   <a:schemeClr val="tx1"/>
                 </a:solidFill>
@@ -4026,7 +4045,18 @@
                 <a:ea typeface="Osaka－等幅" panose="020B0609000000000000" pitchFamily="49" charset="-128"/>
                 <a:cs typeface="メイリオ" pitchFamily="50" charset="-128"/>
               </a:rPr>
-              <a:t>return </a:t>
+              <a:t>return</a:t>
+            </a:r>
+            <a:r>
+              <a:rPr lang="en-US" altLang="ja-JP" sz="2000" dirty="0" smtClean="0">
+                <a:solidFill>
+                  <a:schemeClr val="tx1"/>
+                </a:solidFill>
+                <a:latin typeface="Osaka－等幅" panose="020B0609000000000000" pitchFamily="49" charset="-128"/>
+                <a:ea typeface="Osaka－等幅" panose="020B0609000000000000" pitchFamily="49" charset="-128"/>
+                <a:cs typeface="メイリオ" pitchFamily="50" charset="-128"/>
+              </a:rPr>
+              <a:t> </a:t>
             </a:r>
             <a:r>
               <a:rPr lang="en-US" altLang="ja-JP" sz="2400" dirty="0" err="1" smtClean="0">
@@ -4050,14 +4080,6 @@
               </a:rPr>
               <a:t>();</a:t>
             </a:r>
-            <a:endParaRPr lang="en-US" altLang="ja-JP" sz="2000" dirty="0" smtClean="0">
-              <a:solidFill>
-                <a:schemeClr val="tx1"/>
-              </a:solidFill>
-              <a:latin typeface="Osaka－等幅" panose="020B0609000000000000" pitchFamily="49" charset="-128"/>
-              <a:ea typeface="Osaka－等幅" panose="020B0609000000000000" pitchFamily="49" charset="-128"/>
-              <a:cs typeface="メイリオ" pitchFamily="50" charset="-128"/>
-            </a:endParaRPr>
           </a:p>
           <a:p>
             <a:pPr defTabSz="914342" fontAlgn="base">
@@ -4072,7 +4094,7 @@
               </a:spcAft>
             </a:pPr>
             <a:r>
-              <a:rPr lang="en-US" altLang="ja-JP" sz="2000" dirty="0" smtClean="0">
+              <a:rPr lang="en-US" altLang="ja-JP" sz="2400" dirty="0" smtClean="0">
                 <a:solidFill>
                   <a:schemeClr val="tx1"/>
                 </a:solidFill>
@@ -4082,7 +4104,7 @@
               </a:rPr>
               <a:t>}</a:t>
             </a:r>
-            <a:endParaRPr lang="en-US" altLang="ja-JP" sz="2000" dirty="0">
+            <a:endParaRPr lang="en-US" altLang="ja-JP" sz="2400" dirty="0">
               <a:solidFill>
                 <a:schemeClr val="tx1"/>
               </a:solidFill>
@@ -4101,8 +4123,8 @@
         </p:nvSpPr>
         <p:spPr bwMode="auto">
           <a:xfrm>
-            <a:off x="4215561" y="3689629"/>
-            <a:ext cx="2963671" cy="1120629"/>
+            <a:off x="4215561" y="3689630"/>
+            <a:ext cx="2963671" cy="990436"/>
           </a:xfrm>
           <a:prstGeom prst="rect">
             <a:avLst/>
@@ -4178,7 +4200,7 @@
         <p:spPr bwMode="auto">
           <a:xfrm>
             <a:off x="8165206" y="3689629"/>
-            <a:ext cx="3271721" cy="1120630"/>
+            <a:ext cx="3271721" cy="990437"/>
           </a:xfrm>
           <a:prstGeom prst="rect">
             <a:avLst/>
@@ -4313,7 +4335,7 @@
         </p:nvCxnSpPr>
         <p:spPr bwMode="auto">
           <a:xfrm>
-            <a:off x="7179232" y="4249944"/>
+            <a:off x="7179232" y="4184848"/>
             <a:ext cx="985974" cy="0"/>
           </a:xfrm>
           <a:prstGeom prst="line">
@@ -4400,7 +4422,7 @@
               </a:spcAft>
             </a:pPr>
             <a:r>
-              <a:rPr lang="en-US" altLang="ja-JP" sz="2000" dirty="0" smtClean="0">
+              <a:rPr lang="en-US" altLang="ja-JP" sz="2400" dirty="0" smtClean="0">
                 <a:solidFill>
                   <a:schemeClr val="tx1"/>
                 </a:solidFill>
@@ -4529,7 +4551,7 @@
               </a:spcAft>
             </a:pPr>
             <a:r>
-              <a:rPr lang="en-US" altLang="ja-JP" sz="2000" dirty="0">
+              <a:rPr lang="en-US" altLang="ja-JP" sz="2400" dirty="0">
                 <a:solidFill>
                   <a:schemeClr val="tx1"/>
                 </a:solidFill>
@@ -4539,7 +4561,7 @@
               </a:rPr>
               <a:t>}</a:t>
             </a:r>
-            <a:endParaRPr lang="en-US" altLang="ja-JP" sz="2000" dirty="0" smtClean="0">
+            <a:endParaRPr lang="en-US" altLang="ja-JP" sz="2400" dirty="0" smtClean="0">
               <a:solidFill>
                 <a:schemeClr val="tx1"/>
               </a:solidFill>
@@ -4558,8 +4580,8 @@
         </p:nvSpPr>
         <p:spPr bwMode="auto">
           <a:xfrm>
-            <a:off x="8110191" y="803364"/>
-            <a:ext cx="3991656" cy="2466150"/>
+            <a:off x="7996844" y="803364"/>
+            <a:ext cx="4105003" cy="2466150"/>
           </a:xfrm>
           <a:prstGeom prst="snip1Rect">
             <a:avLst/>
@@ -4605,7 +4627,7 @@
               </a:spcAft>
             </a:pPr>
             <a:r>
-              <a:rPr lang="en-US" altLang="ja-JP" sz="2000" dirty="0" smtClean="0">
+              <a:rPr lang="en-US" altLang="ja-JP" sz="2400" dirty="0" smtClean="0">
                 <a:solidFill>
                   <a:schemeClr val="tx1"/>
                 </a:solidFill>
@@ -4613,7 +4635,18 @@
                 <a:ea typeface="Osaka－等幅" panose="020B0609000000000000" pitchFamily="49" charset="-128"/>
                 <a:cs typeface="メイリオ" pitchFamily="50" charset="-128"/>
               </a:rPr>
-              <a:t>ER </a:t>
+              <a:t>ER</a:t>
+            </a:r>
+            <a:r>
+              <a:rPr lang="en-US" altLang="ja-JP" sz="2000" dirty="0" smtClean="0">
+                <a:solidFill>
+                  <a:schemeClr val="tx1"/>
+                </a:solidFill>
+                <a:latin typeface="Osaka－等幅" panose="020B0609000000000000" pitchFamily="49" charset="-128"/>
+                <a:ea typeface="Osaka－等幅" panose="020B0609000000000000" pitchFamily="49" charset="-128"/>
+                <a:cs typeface="メイリオ" pitchFamily="50" charset="-128"/>
+              </a:rPr>
+              <a:t> </a:t>
             </a:r>
             <a:r>
               <a:rPr lang="en-US" altLang="ja-JP" sz="2400" dirty="0" err="1" smtClean="0">
@@ -4627,7 +4660,7 @@
               <a:t>tcp_snd_dat</a:t>
             </a:r>
             <a:r>
-              <a:rPr lang="en-US" altLang="ja-JP" sz="2000" dirty="0" smtClean="0">
+              <a:rPr lang="en-US" altLang="ja-JP" sz="2400" dirty="0" smtClean="0">
                 <a:solidFill>
                   <a:schemeClr val="tx1"/>
                 </a:solidFill>
@@ -4734,7 +4767,7 @@
               </a:spcAft>
             </a:pPr>
             <a:r>
-              <a:rPr lang="en-US" altLang="ja-JP" sz="2000" dirty="0" smtClean="0">
+              <a:rPr lang="en-US" altLang="ja-JP" sz="2400" dirty="0" smtClean="0">
                 <a:solidFill>
                   <a:schemeClr val="tx1"/>
                 </a:solidFill>
@@ -4744,7 +4777,7 @@
               </a:rPr>
               <a:t>}</a:t>
             </a:r>
-            <a:endParaRPr lang="en-US" altLang="ja-JP" sz="2000" dirty="0">
+            <a:endParaRPr lang="en-US" altLang="ja-JP" sz="2400" dirty="0">
               <a:solidFill>
                 <a:schemeClr val="tx1"/>
               </a:solidFill>
@@ -5159,7 +5192,7 @@
               </a:spcAft>
             </a:pPr>
             <a:r>
-              <a:rPr lang="en-US" altLang="ja-JP" sz="2000" dirty="0" smtClean="0">
+              <a:rPr lang="en-US" altLang="ja-JP" sz="2400" dirty="0" smtClean="0">
                 <a:solidFill>
                   <a:schemeClr val="tx1"/>
                 </a:solidFill>
@@ -5288,7 +5321,7 @@
               </a:spcAft>
             </a:pPr>
             <a:r>
-              <a:rPr lang="en-US" altLang="ja-JP" sz="2000" dirty="0">
+              <a:rPr lang="en-US" altLang="ja-JP" sz="2400" dirty="0">
                 <a:solidFill>
                   <a:schemeClr val="tx1"/>
                 </a:solidFill>
@@ -5298,7 +5331,7 @@
               </a:rPr>
               <a:t>}</a:t>
             </a:r>
-            <a:endParaRPr lang="en-US" altLang="ja-JP" sz="2000" dirty="0" smtClean="0">
+            <a:endParaRPr lang="en-US" altLang="ja-JP" sz="2400" dirty="0" smtClean="0">
               <a:solidFill>
                 <a:schemeClr val="tx1"/>
               </a:solidFill>
